--- a/Project2/dartboard graphics.pptx
+++ b/Project2/dartboard graphics.pptx
@@ -104,6 +104,11 @@
       </a:defRPr>
     </a:lvl9pPr>
   </p:defaultTextStyle>
+  <p:extLst>
+    <p:ext uri="{EFAFB233-063F-42B5-8137-9DF3F51BA10A}">
+      <p15:sldGuideLst xmlns:p15="http://schemas.microsoft.com/office/powerpoint/2012/main"/>
+    </p:ext>
+  </p:extLst>
 </p:presentation>
 </file>
 
@@ -1638,7 +1643,7 @@
           <a:p>
             <a:fld id="{04A26DA9-B510-D145-AD86-FE85F732425B}" type="datetimeFigureOut">
               <a:rPr lang="en-US" smtClean="0"/>
-              <a:t>4/21/20</a:t>
+              <a:t>4/23/20</a:t>
             </a:fld>
             <a:endParaRPr lang="en-US"/>
           </a:p>
@@ -1808,7 +1813,7 @@
           <a:p>
             <a:fld id="{04A26DA9-B510-D145-AD86-FE85F732425B}" type="datetimeFigureOut">
               <a:rPr lang="en-US" smtClean="0"/>
-              <a:t>4/21/20</a:t>
+              <a:t>4/23/20</a:t>
             </a:fld>
             <a:endParaRPr lang="en-US"/>
           </a:p>
@@ -1988,7 +1993,7 @@
           <a:p>
             <a:fld id="{04A26DA9-B510-D145-AD86-FE85F732425B}" type="datetimeFigureOut">
               <a:rPr lang="en-US" smtClean="0"/>
-              <a:t>4/21/20</a:t>
+              <a:t>4/23/20</a:t>
             </a:fld>
             <a:endParaRPr lang="en-US"/>
           </a:p>
@@ -2158,7 +2163,7 @@
           <a:p>
             <a:fld id="{04A26DA9-B510-D145-AD86-FE85F732425B}" type="datetimeFigureOut">
               <a:rPr lang="en-US" smtClean="0"/>
-              <a:t>4/21/20</a:t>
+              <a:t>4/23/20</a:t>
             </a:fld>
             <a:endParaRPr lang="en-US"/>
           </a:p>
@@ -2402,7 +2407,7 @@
           <a:p>
             <a:fld id="{04A26DA9-B510-D145-AD86-FE85F732425B}" type="datetimeFigureOut">
               <a:rPr lang="en-US" smtClean="0"/>
-              <a:t>4/21/20</a:t>
+              <a:t>4/23/20</a:t>
             </a:fld>
             <a:endParaRPr lang="en-US"/>
           </a:p>
@@ -2634,7 +2639,7 @@
           <a:p>
             <a:fld id="{04A26DA9-B510-D145-AD86-FE85F732425B}" type="datetimeFigureOut">
               <a:rPr lang="en-US" smtClean="0"/>
-              <a:t>4/21/20</a:t>
+              <a:t>4/23/20</a:t>
             </a:fld>
             <a:endParaRPr lang="en-US"/>
           </a:p>
@@ -3001,7 +3006,7 @@
           <a:p>
             <a:fld id="{04A26DA9-B510-D145-AD86-FE85F732425B}" type="datetimeFigureOut">
               <a:rPr lang="en-US" smtClean="0"/>
-              <a:t>4/21/20</a:t>
+              <a:t>4/23/20</a:t>
             </a:fld>
             <a:endParaRPr lang="en-US"/>
           </a:p>
@@ -3119,7 +3124,7 @@
           <a:p>
             <a:fld id="{04A26DA9-B510-D145-AD86-FE85F732425B}" type="datetimeFigureOut">
               <a:rPr lang="en-US" smtClean="0"/>
-              <a:t>4/21/20</a:t>
+              <a:t>4/23/20</a:t>
             </a:fld>
             <a:endParaRPr lang="en-US"/>
           </a:p>
@@ -3214,7 +3219,7 @@
           <a:p>
             <a:fld id="{04A26DA9-B510-D145-AD86-FE85F732425B}" type="datetimeFigureOut">
               <a:rPr lang="en-US" smtClean="0"/>
-              <a:t>4/21/20</a:t>
+              <a:t>4/23/20</a:t>
             </a:fld>
             <a:endParaRPr lang="en-US"/>
           </a:p>
@@ -3491,7 +3496,7 @@
           <a:p>
             <a:fld id="{04A26DA9-B510-D145-AD86-FE85F732425B}" type="datetimeFigureOut">
               <a:rPr lang="en-US" smtClean="0"/>
-              <a:t>4/21/20</a:t>
+              <a:t>4/23/20</a:t>
             </a:fld>
             <a:endParaRPr lang="en-US"/>
           </a:p>
@@ -3748,7 +3753,7 @@
           <a:p>
             <a:fld id="{04A26DA9-B510-D145-AD86-FE85F732425B}" type="datetimeFigureOut">
               <a:rPr lang="en-US" smtClean="0"/>
-              <a:t>4/21/20</a:t>
+              <a:t>4/23/20</a:t>
             </a:fld>
             <a:endParaRPr lang="en-US"/>
           </a:p>
@@ -3961,7 +3966,7 @@
           <a:p>
             <a:fld id="{04A26DA9-B510-D145-AD86-FE85F732425B}" type="datetimeFigureOut">
               <a:rPr lang="en-US" smtClean="0"/>
-              <a:t>4/21/20</a:t>
+              <a:t>4/23/20</a:t>
             </a:fld>
             <a:endParaRPr lang="en-US"/>
           </a:p>
@@ -5597,8 +5602,8 @@
             </a:p>
           </p:txBody>
         </p:sp>
-        <mc:AlternateContent xmlns:mc="http://schemas.openxmlformats.org/markup-compatibility/2006">
-          <mc:Choice xmlns:p14="http://schemas.microsoft.com/office/powerpoint/2010/main" Requires="p14">
+        <mc:AlternateContent xmlns:mc="http://schemas.openxmlformats.org/markup-compatibility/2006" xmlns:p14="http://schemas.microsoft.com/office/powerpoint/2010/main">
+          <mc:Choice Requires="p14">
             <p:contentPart p14:bwMode="auto" r:id="rId2">
               <p14:nvContentPartPr>
                 <p14:cNvPr id="73" name="Ink 72">
@@ -5617,7 +5622,7 @@
               </p14:xfrm>
             </p:contentPart>
           </mc:Choice>
-          <mc:Fallback>
+          <mc:Fallback xmlns="">
             <p:pic>
               <p:nvPicPr>
                 <p:cNvPr id="73" name="Ink 72">
@@ -5648,8 +5653,8 @@
             </p:pic>
           </mc:Fallback>
         </mc:AlternateContent>
-        <mc:AlternateContent xmlns:mc="http://schemas.openxmlformats.org/markup-compatibility/2006">
-          <mc:Choice xmlns:p14="http://schemas.microsoft.com/office/powerpoint/2010/main" Requires="p14">
+        <mc:AlternateContent xmlns:mc="http://schemas.openxmlformats.org/markup-compatibility/2006" xmlns:p14="http://schemas.microsoft.com/office/powerpoint/2010/main">
+          <mc:Choice Requires="p14">
             <p:contentPart p14:bwMode="auto" r:id="rId4">
               <p14:nvContentPartPr>
                 <p14:cNvPr id="74" name="Ink 73">
@@ -5668,7 +5673,7 @@
               </p14:xfrm>
             </p:contentPart>
           </mc:Choice>
-          <mc:Fallback>
+          <mc:Fallback xmlns="">
             <p:pic>
               <p:nvPicPr>
                 <p:cNvPr id="74" name="Ink 73">
@@ -5699,8 +5704,8 @@
             </p:pic>
           </mc:Fallback>
         </mc:AlternateContent>
-        <mc:AlternateContent xmlns:mc="http://schemas.openxmlformats.org/markup-compatibility/2006">
-          <mc:Choice xmlns:p14="http://schemas.microsoft.com/office/powerpoint/2010/main" Requires="p14">
+        <mc:AlternateContent xmlns:mc="http://schemas.openxmlformats.org/markup-compatibility/2006" xmlns:p14="http://schemas.microsoft.com/office/powerpoint/2010/main">
+          <mc:Choice Requires="p14">
             <p:contentPart p14:bwMode="auto" r:id="rId6">
               <p14:nvContentPartPr>
                 <p14:cNvPr id="75" name="Ink 74">
@@ -5719,7 +5724,7 @@
               </p14:xfrm>
             </p:contentPart>
           </mc:Choice>
-          <mc:Fallback>
+          <mc:Fallback xmlns="">
             <p:pic>
               <p:nvPicPr>
                 <p:cNvPr id="75" name="Ink 74">
@@ -5750,8 +5755,8 @@
             </p:pic>
           </mc:Fallback>
         </mc:AlternateContent>
-        <mc:AlternateContent xmlns:mc="http://schemas.openxmlformats.org/markup-compatibility/2006">
-          <mc:Choice xmlns:p14="http://schemas.microsoft.com/office/powerpoint/2010/main" Requires="p14">
+        <mc:AlternateContent xmlns:mc="http://schemas.openxmlformats.org/markup-compatibility/2006" xmlns:p14="http://schemas.microsoft.com/office/powerpoint/2010/main">
+          <mc:Choice Requires="p14">
             <p:contentPart p14:bwMode="auto" r:id="rId8">
               <p14:nvContentPartPr>
                 <p14:cNvPr id="76" name="Ink 75">
@@ -5770,7 +5775,7 @@
               </p14:xfrm>
             </p:contentPart>
           </mc:Choice>
-          <mc:Fallback>
+          <mc:Fallback xmlns="">
             <p:pic>
               <p:nvPicPr>
                 <p:cNvPr id="76" name="Ink 75">
@@ -5801,8 +5806,8 @@
             </p:pic>
           </mc:Fallback>
         </mc:AlternateContent>
-        <mc:AlternateContent xmlns:mc="http://schemas.openxmlformats.org/markup-compatibility/2006">
-          <mc:Choice xmlns:p14="http://schemas.microsoft.com/office/powerpoint/2010/main" Requires="p14">
+        <mc:AlternateContent xmlns:mc="http://schemas.openxmlformats.org/markup-compatibility/2006" xmlns:p14="http://schemas.microsoft.com/office/powerpoint/2010/main">
+          <mc:Choice Requires="p14">
             <p:contentPart p14:bwMode="auto" r:id="rId10">
               <p14:nvContentPartPr>
                 <p14:cNvPr id="77" name="Ink 76">
@@ -5821,7 +5826,7 @@
               </p14:xfrm>
             </p:contentPart>
           </mc:Choice>
-          <mc:Fallback>
+          <mc:Fallback xmlns="">
             <p:pic>
               <p:nvPicPr>
                 <p:cNvPr id="77" name="Ink 76">
@@ -5852,8 +5857,8 @@
             </p:pic>
           </mc:Fallback>
         </mc:AlternateContent>
-        <mc:AlternateContent xmlns:mc="http://schemas.openxmlformats.org/markup-compatibility/2006">
-          <mc:Choice xmlns:p14="http://schemas.microsoft.com/office/powerpoint/2010/main" Requires="p14">
+        <mc:AlternateContent xmlns:mc="http://schemas.openxmlformats.org/markup-compatibility/2006" xmlns:p14="http://schemas.microsoft.com/office/powerpoint/2010/main">
+          <mc:Choice Requires="p14">
             <p:contentPart p14:bwMode="auto" r:id="rId12">
               <p14:nvContentPartPr>
                 <p14:cNvPr id="78" name="Ink 77">
@@ -5872,7 +5877,7 @@
               </p14:xfrm>
             </p:contentPart>
           </mc:Choice>
-          <mc:Fallback>
+          <mc:Fallback xmlns="">
             <p:pic>
               <p:nvPicPr>
                 <p:cNvPr id="78" name="Ink 77">
@@ -5903,8 +5908,8 @@
             </p:pic>
           </mc:Fallback>
         </mc:AlternateContent>
-        <mc:AlternateContent xmlns:mc="http://schemas.openxmlformats.org/markup-compatibility/2006">
-          <mc:Choice xmlns:p14="http://schemas.microsoft.com/office/powerpoint/2010/main" Requires="p14">
+        <mc:AlternateContent xmlns:mc="http://schemas.openxmlformats.org/markup-compatibility/2006" xmlns:p14="http://schemas.microsoft.com/office/powerpoint/2010/main">
+          <mc:Choice Requires="p14">
             <p:contentPart p14:bwMode="auto" r:id="rId14">
               <p14:nvContentPartPr>
                 <p14:cNvPr id="79" name="Ink 78">
@@ -5923,7 +5928,7 @@
               </p14:xfrm>
             </p:contentPart>
           </mc:Choice>
-          <mc:Fallback>
+          <mc:Fallback xmlns="">
             <p:pic>
               <p:nvPicPr>
                 <p:cNvPr id="79" name="Ink 78">
@@ -5954,8 +5959,8 @@
             </p:pic>
           </mc:Fallback>
         </mc:AlternateContent>
-        <mc:AlternateContent xmlns:mc="http://schemas.openxmlformats.org/markup-compatibility/2006">
-          <mc:Choice xmlns:p14="http://schemas.microsoft.com/office/powerpoint/2010/main" Requires="p14">
+        <mc:AlternateContent xmlns:mc="http://schemas.openxmlformats.org/markup-compatibility/2006" xmlns:p14="http://schemas.microsoft.com/office/powerpoint/2010/main">
+          <mc:Choice Requires="p14">
             <p:contentPart p14:bwMode="auto" r:id="rId16">
               <p14:nvContentPartPr>
                 <p14:cNvPr id="80" name="Ink 79">
@@ -5974,7 +5979,7 @@
               </p14:xfrm>
             </p:contentPart>
           </mc:Choice>
-          <mc:Fallback>
+          <mc:Fallback xmlns="">
             <p:pic>
               <p:nvPicPr>
                 <p:cNvPr id="80" name="Ink 79">
@@ -6005,8 +6010,8 @@
             </p:pic>
           </mc:Fallback>
         </mc:AlternateContent>
-        <mc:AlternateContent xmlns:mc="http://schemas.openxmlformats.org/markup-compatibility/2006">
-          <mc:Choice xmlns:p14="http://schemas.microsoft.com/office/powerpoint/2010/main" Requires="p14">
+        <mc:AlternateContent xmlns:mc="http://schemas.openxmlformats.org/markup-compatibility/2006" xmlns:p14="http://schemas.microsoft.com/office/powerpoint/2010/main">
+          <mc:Choice Requires="p14">
             <p:contentPart p14:bwMode="auto" r:id="rId18">
               <p14:nvContentPartPr>
                 <p14:cNvPr id="81" name="Ink 80">
@@ -6025,7 +6030,7 @@
               </p14:xfrm>
             </p:contentPart>
           </mc:Choice>
-          <mc:Fallback>
+          <mc:Fallback xmlns="">
             <p:pic>
               <p:nvPicPr>
                 <p:cNvPr id="81" name="Ink 80">
@@ -6056,8 +6061,8 @@
             </p:pic>
           </mc:Fallback>
         </mc:AlternateContent>
-        <mc:AlternateContent xmlns:mc="http://schemas.openxmlformats.org/markup-compatibility/2006">
-          <mc:Choice xmlns:p14="http://schemas.microsoft.com/office/powerpoint/2010/main" Requires="p14">
+        <mc:AlternateContent xmlns:mc="http://schemas.openxmlformats.org/markup-compatibility/2006" xmlns:p14="http://schemas.microsoft.com/office/powerpoint/2010/main">
+          <mc:Choice Requires="p14">
             <p:contentPart p14:bwMode="auto" r:id="rId20">
               <p14:nvContentPartPr>
                 <p14:cNvPr id="82" name="Ink 81">
@@ -6076,7 +6081,7 @@
               </p14:xfrm>
             </p:contentPart>
           </mc:Choice>
-          <mc:Fallback>
+          <mc:Fallback xmlns="">
             <p:pic>
               <p:nvPicPr>
                 <p:cNvPr id="82" name="Ink 81">
@@ -6107,8 +6112,8 @@
             </p:pic>
           </mc:Fallback>
         </mc:AlternateContent>
-        <mc:AlternateContent xmlns:mc="http://schemas.openxmlformats.org/markup-compatibility/2006">
-          <mc:Choice xmlns:p14="http://schemas.microsoft.com/office/powerpoint/2010/main" Requires="p14">
+        <mc:AlternateContent xmlns:mc="http://schemas.openxmlformats.org/markup-compatibility/2006" xmlns:p14="http://schemas.microsoft.com/office/powerpoint/2010/main">
+          <mc:Choice Requires="p14">
             <p:contentPart p14:bwMode="auto" r:id="rId22">
               <p14:nvContentPartPr>
                 <p14:cNvPr id="83" name="Ink 82">
@@ -6127,7 +6132,7 @@
               </p14:xfrm>
             </p:contentPart>
           </mc:Choice>
-          <mc:Fallback>
+          <mc:Fallback xmlns="">
             <p:pic>
               <p:nvPicPr>
                 <p:cNvPr id="83" name="Ink 82">
@@ -6158,8 +6163,8 @@
             </p:pic>
           </mc:Fallback>
         </mc:AlternateContent>
-        <mc:AlternateContent xmlns:mc="http://schemas.openxmlformats.org/markup-compatibility/2006">
-          <mc:Choice xmlns:p14="http://schemas.microsoft.com/office/powerpoint/2010/main" Requires="p14">
+        <mc:AlternateContent xmlns:mc="http://schemas.openxmlformats.org/markup-compatibility/2006" xmlns:p14="http://schemas.microsoft.com/office/powerpoint/2010/main">
+          <mc:Choice Requires="p14">
             <p:contentPart p14:bwMode="auto" r:id="rId24">
               <p14:nvContentPartPr>
                 <p14:cNvPr id="84" name="Ink 83">
@@ -6178,7 +6183,7 @@
               </p14:xfrm>
             </p:contentPart>
           </mc:Choice>
-          <mc:Fallback>
+          <mc:Fallback xmlns="">
             <p:pic>
               <p:nvPicPr>
                 <p:cNvPr id="84" name="Ink 83">
@@ -6209,8 +6214,8 @@
             </p:pic>
           </mc:Fallback>
         </mc:AlternateContent>
-        <mc:AlternateContent xmlns:mc="http://schemas.openxmlformats.org/markup-compatibility/2006">
-          <mc:Choice xmlns:p14="http://schemas.microsoft.com/office/powerpoint/2010/main" Requires="p14">
+        <mc:AlternateContent xmlns:mc="http://schemas.openxmlformats.org/markup-compatibility/2006" xmlns:p14="http://schemas.microsoft.com/office/powerpoint/2010/main">
+          <mc:Choice Requires="p14">
             <p:contentPart p14:bwMode="auto" r:id="rId26">
               <p14:nvContentPartPr>
                 <p14:cNvPr id="85" name="Ink 84">
@@ -6229,7 +6234,7 @@
               </p14:xfrm>
             </p:contentPart>
           </mc:Choice>
-          <mc:Fallback>
+          <mc:Fallback xmlns="">
             <p:pic>
               <p:nvPicPr>
                 <p:cNvPr id="85" name="Ink 84">
@@ -6260,8 +6265,8 @@
             </p:pic>
           </mc:Fallback>
         </mc:AlternateContent>
-        <mc:AlternateContent xmlns:mc="http://schemas.openxmlformats.org/markup-compatibility/2006">
-          <mc:Choice xmlns:p14="http://schemas.microsoft.com/office/powerpoint/2010/main" Requires="p14">
+        <mc:AlternateContent xmlns:mc="http://schemas.openxmlformats.org/markup-compatibility/2006" xmlns:p14="http://schemas.microsoft.com/office/powerpoint/2010/main">
+          <mc:Choice Requires="p14">
             <p:contentPart p14:bwMode="auto" r:id="rId28">
               <p14:nvContentPartPr>
                 <p14:cNvPr id="87" name="Ink 86">
@@ -6280,7 +6285,7 @@
               </p14:xfrm>
             </p:contentPart>
           </mc:Choice>
-          <mc:Fallback>
+          <mc:Fallback xmlns="">
             <p:pic>
               <p:nvPicPr>
                 <p:cNvPr id="87" name="Ink 86">
@@ -6311,8 +6316,8 @@
             </p:pic>
           </mc:Fallback>
         </mc:AlternateContent>
-        <mc:AlternateContent xmlns:mc="http://schemas.openxmlformats.org/markup-compatibility/2006">
-          <mc:Choice xmlns:p14="http://schemas.microsoft.com/office/powerpoint/2010/main" Requires="p14">
+        <mc:AlternateContent xmlns:mc="http://schemas.openxmlformats.org/markup-compatibility/2006" xmlns:p14="http://schemas.microsoft.com/office/powerpoint/2010/main">
+          <mc:Choice Requires="p14">
             <p:contentPart p14:bwMode="auto" r:id="rId30">
               <p14:nvContentPartPr>
                 <p14:cNvPr id="88" name="Ink 87">
@@ -6331,7 +6336,7 @@
               </p14:xfrm>
             </p:contentPart>
           </mc:Choice>
-          <mc:Fallback>
+          <mc:Fallback xmlns="">
             <p:pic>
               <p:nvPicPr>
                 <p:cNvPr id="88" name="Ink 87">
@@ -6362,8 +6367,8 @@
             </p:pic>
           </mc:Fallback>
         </mc:AlternateContent>
-        <mc:AlternateContent xmlns:mc="http://schemas.openxmlformats.org/markup-compatibility/2006">
-          <mc:Choice xmlns:p14="http://schemas.microsoft.com/office/powerpoint/2010/main" Requires="p14">
+        <mc:AlternateContent xmlns:mc="http://schemas.openxmlformats.org/markup-compatibility/2006" xmlns:p14="http://schemas.microsoft.com/office/powerpoint/2010/main">
+          <mc:Choice Requires="p14">
             <p:contentPart p14:bwMode="auto" r:id="rId32">
               <p14:nvContentPartPr>
                 <p14:cNvPr id="89" name="Ink 88">
@@ -6382,7 +6387,7 @@
               </p14:xfrm>
             </p:contentPart>
           </mc:Choice>
-          <mc:Fallback>
+          <mc:Fallback xmlns="">
             <p:pic>
               <p:nvPicPr>
                 <p:cNvPr id="89" name="Ink 88">
@@ -6413,8 +6418,8 @@
             </p:pic>
           </mc:Fallback>
         </mc:AlternateContent>
-        <mc:AlternateContent xmlns:mc="http://schemas.openxmlformats.org/markup-compatibility/2006">
-          <mc:Choice xmlns:p14="http://schemas.microsoft.com/office/powerpoint/2010/main" Requires="p14">
+        <mc:AlternateContent xmlns:mc="http://schemas.openxmlformats.org/markup-compatibility/2006" xmlns:p14="http://schemas.microsoft.com/office/powerpoint/2010/main">
+          <mc:Choice Requires="p14">
             <p:contentPart p14:bwMode="auto" r:id="rId34">
               <p14:nvContentPartPr>
                 <p14:cNvPr id="90" name="Ink 89">
@@ -6433,7 +6438,7 @@
               </p14:xfrm>
             </p:contentPart>
           </mc:Choice>
-          <mc:Fallback>
+          <mc:Fallback xmlns="">
             <p:pic>
               <p:nvPicPr>
                 <p:cNvPr id="90" name="Ink 89">
@@ -6464,8 +6469,8 @@
             </p:pic>
           </mc:Fallback>
         </mc:AlternateContent>
-        <mc:AlternateContent xmlns:mc="http://schemas.openxmlformats.org/markup-compatibility/2006">
-          <mc:Choice xmlns:p14="http://schemas.microsoft.com/office/powerpoint/2010/main" Requires="p14">
+        <mc:AlternateContent xmlns:mc="http://schemas.openxmlformats.org/markup-compatibility/2006" xmlns:p14="http://schemas.microsoft.com/office/powerpoint/2010/main">
+          <mc:Choice Requires="p14">
             <p:contentPart p14:bwMode="auto" r:id="rId36">
               <p14:nvContentPartPr>
                 <p14:cNvPr id="92" name="Ink 91">
@@ -6484,7 +6489,7 @@
               </p14:xfrm>
             </p:contentPart>
           </mc:Choice>
-          <mc:Fallback>
+          <mc:Fallback xmlns="">
             <p:pic>
               <p:nvPicPr>
                 <p:cNvPr id="92" name="Ink 91">
@@ -6515,8 +6520,8 @@
             </p:pic>
           </mc:Fallback>
         </mc:AlternateContent>
-        <mc:AlternateContent xmlns:mc="http://schemas.openxmlformats.org/markup-compatibility/2006">
-          <mc:Choice xmlns:p14="http://schemas.microsoft.com/office/powerpoint/2010/main" Requires="p14">
+        <mc:AlternateContent xmlns:mc="http://schemas.openxmlformats.org/markup-compatibility/2006" xmlns:p14="http://schemas.microsoft.com/office/powerpoint/2010/main">
+          <mc:Choice Requires="p14">
             <p:contentPart p14:bwMode="auto" r:id="rId38">
               <p14:nvContentPartPr>
                 <p14:cNvPr id="93" name="Ink 92">
@@ -6535,7 +6540,7 @@
               </p14:xfrm>
             </p:contentPart>
           </mc:Choice>
-          <mc:Fallback>
+          <mc:Fallback xmlns="">
             <p:pic>
               <p:nvPicPr>
                 <p:cNvPr id="93" name="Ink 92">
@@ -6566,8 +6571,8 @@
             </p:pic>
           </mc:Fallback>
         </mc:AlternateContent>
-        <mc:AlternateContent xmlns:mc="http://schemas.openxmlformats.org/markup-compatibility/2006">
-          <mc:Choice xmlns:p14="http://schemas.microsoft.com/office/powerpoint/2010/main" Requires="p14">
+        <mc:AlternateContent xmlns:mc="http://schemas.openxmlformats.org/markup-compatibility/2006" xmlns:p14="http://schemas.microsoft.com/office/powerpoint/2010/main">
+          <mc:Choice Requires="p14">
             <p:contentPart p14:bwMode="auto" r:id="rId40">
               <p14:nvContentPartPr>
                 <p14:cNvPr id="94" name="Ink 93">
@@ -6586,7 +6591,7 @@
               </p14:xfrm>
             </p:contentPart>
           </mc:Choice>
-          <mc:Fallback>
+          <mc:Fallback xmlns="">
             <p:pic>
               <p:nvPicPr>
                 <p:cNvPr id="94" name="Ink 93">
@@ -6617,8 +6622,8 @@
             </p:pic>
           </mc:Fallback>
         </mc:AlternateContent>
-        <mc:AlternateContent xmlns:mc="http://schemas.openxmlformats.org/markup-compatibility/2006">
-          <mc:Choice xmlns:p14="http://schemas.microsoft.com/office/powerpoint/2010/main" Requires="p14">
+        <mc:AlternateContent xmlns:mc="http://schemas.openxmlformats.org/markup-compatibility/2006" xmlns:p14="http://schemas.microsoft.com/office/powerpoint/2010/main">
+          <mc:Choice Requires="p14">
             <p:contentPart p14:bwMode="auto" r:id="rId42">
               <p14:nvContentPartPr>
                 <p14:cNvPr id="95" name="Ink 94">
@@ -6637,7 +6642,7 @@
               </p14:xfrm>
             </p:contentPart>
           </mc:Choice>
-          <mc:Fallback>
+          <mc:Fallback xmlns="">
             <p:pic>
               <p:nvPicPr>
                 <p:cNvPr id="95" name="Ink 94">
@@ -6668,8 +6673,8 @@
             </p:pic>
           </mc:Fallback>
         </mc:AlternateContent>
-        <mc:AlternateContent xmlns:mc="http://schemas.openxmlformats.org/markup-compatibility/2006">
-          <mc:Choice xmlns:p14="http://schemas.microsoft.com/office/powerpoint/2010/main" Requires="p14">
+        <mc:AlternateContent xmlns:mc="http://schemas.openxmlformats.org/markup-compatibility/2006" xmlns:p14="http://schemas.microsoft.com/office/powerpoint/2010/main">
+          <mc:Choice Requires="p14">
             <p:contentPart p14:bwMode="auto" r:id="rId44">
               <p14:nvContentPartPr>
                 <p14:cNvPr id="96" name="Ink 95">
@@ -6688,7 +6693,7 @@
               </p14:xfrm>
             </p:contentPart>
           </mc:Choice>
-          <mc:Fallback>
+          <mc:Fallback xmlns="">
             <p:pic>
               <p:nvPicPr>
                 <p:cNvPr id="96" name="Ink 95">
@@ -6719,8 +6724,8 @@
             </p:pic>
           </mc:Fallback>
         </mc:AlternateContent>
-        <mc:AlternateContent xmlns:mc="http://schemas.openxmlformats.org/markup-compatibility/2006">
-          <mc:Choice xmlns:p14="http://schemas.microsoft.com/office/powerpoint/2010/main" Requires="p14">
+        <mc:AlternateContent xmlns:mc="http://schemas.openxmlformats.org/markup-compatibility/2006" xmlns:p14="http://schemas.microsoft.com/office/powerpoint/2010/main">
+          <mc:Choice Requires="p14">
             <p:contentPart p14:bwMode="auto" r:id="rId46">
               <p14:nvContentPartPr>
                 <p14:cNvPr id="97" name="Ink 96">
@@ -6739,7 +6744,7 @@
               </p14:xfrm>
             </p:contentPart>
           </mc:Choice>
-          <mc:Fallback>
+          <mc:Fallback xmlns="">
             <p:pic>
               <p:nvPicPr>
                 <p:cNvPr id="97" name="Ink 96">
@@ -6770,8 +6775,8 @@
             </p:pic>
           </mc:Fallback>
         </mc:AlternateContent>
-        <mc:AlternateContent xmlns:mc="http://schemas.openxmlformats.org/markup-compatibility/2006">
-          <mc:Choice xmlns:p14="http://schemas.microsoft.com/office/powerpoint/2010/main" Requires="p14">
+        <mc:AlternateContent xmlns:mc="http://schemas.openxmlformats.org/markup-compatibility/2006" xmlns:p14="http://schemas.microsoft.com/office/powerpoint/2010/main">
+          <mc:Choice Requires="p14">
             <p:contentPart p14:bwMode="auto" r:id="rId48">
               <p14:nvContentPartPr>
                 <p14:cNvPr id="98" name="Ink 97">
@@ -6790,7 +6795,7 @@
               </p14:xfrm>
             </p:contentPart>
           </mc:Choice>
-          <mc:Fallback>
+          <mc:Fallback xmlns="">
             <p:pic>
               <p:nvPicPr>
                 <p:cNvPr id="98" name="Ink 97">
@@ -6821,8 +6826,8 @@
             </p:pic>
           </mc:Fallback>
         </mc:AlternateContent>
-        <mc:AlternateContent xmlns:mc="http://schemas.openxmlformats.org/markup-compatibility/2006">
-          <mc:Choice xmlns:p14="http://schemas.microsoft.com/office/powerpoint/2010/main" Requires="p14">
+        <mc:AlternateContent xmlns:mc="http://schemas.openxmlformats.org/markup-compatibility/2006" xmlns:p14="http://schemas.microsoft.com/office/powerpoint/2010/main">
+          <mc:Choice Requires="p14">
             <p:contentPart p14:bwMode="auto" r:id="rId50">
               <p14:nvContentPartPr>
                 <p14:cNvPr id="99" name="Ink 98">
@@ -6841,7 +6846,7 @@
               </p14:xfrm>
             </p:contentPart>
           </mc:Choice>
-          <mc:Fallback>
+          <mc:Fallback xmlns="">
             <p:pic>
               <p:nvPicPr>
                 <p:cNvPr id="99" name="Ink 98">
@@ -6872,8 +6877,8 @@
             </p:pic>
           </mc:Fallback>
         </mc:AlternateContent>
-        <mc:AlternateContent xmlns:mc="http://schemas.openxmlformats.org/markup-compatibility/2006">
-          <mc:Choice xmlns:p14="http://schemas.microsoft.com/office/powerpoint/2010/main" Requires="p14">
+        <mc:AlternateContent xmlns:mc="http://schemas.openxmlformats.org/markup-compatibility/2006" xmlns:p14="http://schemas.microsoft.com/office/powerpoint/2010/main">
+          <mc:Choice Requires="p14">
             <p:contentPart p14:bwMode="auto" r:id="rId52">
               <p14:nvContentPartPr>
                 <p14:cNvPr id="100" name="Ink 99">
@@ -6892,7 +6897,7 @@
               </p14:xfrm>
             </p:contentPart>
           </mc:Choice>
-          <mc:Fallback>
+          <mc:Fallback xmlns="">
             <p:pic>
               <p:nvPicPr>
                 <p:cNvPr id="100" name="Ink 99">
@@ -6923,8 +6928,8 @@
             </p:pic>
           </mc:Fallback>
         </mc:AlternateContent>
-        <mc:AlternateContent xmlns:mc="http://schemas.openxmlformats.org/markup-compatibility/2006">
-          <mc:Choice xmlns:p14="http://schemas.microsoft.com/office/powerpoint/2010/main" Requires="p14">
+        <mc:AlternateContent xmlns:mc="http://schemas.openxmlformats.org/markup-compatibility/2006" xmlns:p14="http://schemas.microsoft.com/office/powerpoint/2010/main">
+          <mc:Choice Requires="p14">
             <p:contentPart p14:bwMode="auto" r:id="rId54">
               <p14:nvContentPartPr>
                 <p14:cNvPr id="101" name="Ink 100">
@@ -6943,7 +6948,7 @@
               </p14:xfrm>
             </p:contentPart>
           </mc:Choice>
-          <mc:Fallback>
+          <mc:Fallback xmlns="">
             <p:pic>
               <p:nvPicPr>
                 <p:cNvPr id="101" name="Ink 100">
@@ -6974,8 +6979,8 @@
             </p:pic>
           </mc:Fallback>
         </mc:AlternateContent>
-        <mc:AlternateContent xmlns:mc="http://schemas.openxmlformats.org/markup-compatibility/2006">
-          <mc:Choice xmlns:p14="http://schemas.microsoft.com/office/powerpoint/2010/main" Requires="p14">
+        <mc:AlternateContent xmlns:mc="http://schemas.openxmlformats.org/markup-compatibility/2006" xmlns:p14="http://schemas.microsoft.com/office/powerpoint/2010/main">
+          <mc:Choice Requires="p14">
             <p:contentPart p14:bwMode="auto" r:id="rId56">
               <p14:nvContentPartPr>
                 <p14:cNvPr id="102" name="Ink 101">
@@ -6994,7 +6999,7 @@
               </p14:xfrm>
             </p:contentPart>
           </mc:Choice>
-          <mc:Fallback>
+          <mc:Fallback xmlns="">
             <p:pic>
               <p:nvPicPr>
                 <p:cNvPr id="102" name="Ink 101">
@@ -7025,8 +7030,8 @@
             </p:pic>
           </mc:Fallback>
         </mc:AlternateContent>
-        <mc:AlternateContent xmlns:mc="http://schemas.openxmlformats.org/markup-compatibility/2006">
-          <mc:Choice xmlns:p14="http://schemas.microsoft.com/office/powerpoint/2010/main" Requires="p14">
+        <mc:AlternateContent xmlns:mc="http://schemas.openxmlformats.org/markup-compatibility/2006" xmlns:p14="http://schemas.microsoft.com/office/powerpoint/2010/main">
+          <mc:Choice Requires="p14">
             <p:contentPart p14:bwMode="auto" r:id="rId58">
               <p14:nvContentPartPr>
                 <p14:cNvPr id="103" name="Ink 102">
@@ -7045,7 +7050,7 @@
               </p14:xfrm>
             </p:contentPart>
           </mc:Choice>
-          <mc:Fallback>
+          <mc:Fallback xmlns="">
             <p:pic>
               <p:nvPicPr>
                 <p:cNvPr id="103" name="Ink 102">
@@ -7076,8 +7081,8 @@
             </p:pic>
           </mc:Fallback>
         </mc:AlternateContent>
-        <mc:AlternateContent xmlns:mc="http://schemas.openxmlformats.org/markup-compatibility/2006">
-          <mc:Choice xmlns:p14="http://schemas.microsoft.com/office/powerpoint/2010/main" Requires="p14">
+        <mc:AlternateContent xmlns:mc="http://schemas.openxmlformats.org/markup-compatibility/2006" xmlns:p14="http://schemas.microsoft.com/office/powerpoint/2010/main">
+          <mc:Choice Requires="p14">
             <p:contentPart p14:bwMode="auto" r:id="rId60">
               <p14:nvContentPartPr>
                 <p14:cNvPr id="104" name="Ink 103">
@@ -7096,7 +7101,7 @@
               </p14:xfrm>
             </p:contentPart>
           </mc:Choice>
-          <mc:Fallback>
+          <mc:Fallback xmlns="">
             <p:pic>
               <p:nvPicPr>
                 <p:cNvPr id="104" name="Ink 103">
@@ -7127,8 +7132,8 @@
             </p:pic>
           </mc:Fallback>
         </mc:AlternateContent>
-        <mc:AlternateContent xmlns:mc="http://schemas.openxmlformats.org/markup-compatibility/2006">
-          <mc:Choice xmlns:p14="http://schemas.microsoft.com/office/powerpoint/2010/main" Requires="p14">
+        <mc:AlternateContent xmlns:mc="http://schemas.openxmlformats.org/markup-compatibility/2006" xmlns:p14="http://schemas.microsoft.com/office/powerpoint/2010/main">
+          <mc:Choice Requires="p14">
             <p:contentPart p14:bwMode="auto" r:id="rId62">
               <p14:nvContentPartPr>
                 <p14:cNvPr id="105" name="Ink 104">
@@ -7147,7 +7152,7 @@
               </p14:xfrm>
             </p:contentPart>
           </mc:Choice>
-          <mc:Fallback>
+          <mc:Fallback xmlns="">
             <p:pic>
               <p:nvPicPr>
                 <p:cNvPr id="105" name="Ink 104">
@@ -7178,8 +7183,8 @@
             </p:pic>
           </mc:Fallback>
         </mc:AlternateContent>
-        <mc:AlternateContent xmlns:mc="http://schemas.openxmlformats.org/markup-compatibility/2006">
-          <mc:Choice xmlns:p14="http://schemas.microsoft.com/office/powerpoint/2010/main" Requires="p14">
+        <mc:AlternateContent xmlns:mc="http://schemas.openxmlformats.org/markup-compatibility/2006" xmlns:p14="http://schemas.microsoft.com/office/powerpoint/2010/main">
+          <mc:Choice Requires="p14">
             <p:contentPart p14:bwMode="auto" r:id="rId64">
               <p14:nvContentPartPr>
                 <p14:cNvPr id="106" name="Ink 105">
@@ -7198,7 +7203,7 @@
               </p14:xfrm>
             </p:contentPart>
           </mc:Choice>
-          <mc:Fallback>
+          <mc:Fallback xmlns="">
             <p:pic>
               <p:nvPicPr>
                 <p:cNvPr id="106" name="Ink 105">
@@ -7229,8 +7234,8 @@
             </p:pic>
           </mc:Fallback>
         </mc:AlternateContent>
-        <mc:AlternateContent xmlns:mc="http://schemas.openxmlformats.org/markup-compatibility/2006">
-          <mc:Choice xmlns:p14="http://schemas.microsoft.com/office/powerpoint/2010/main" Requires="p14">
+        <mc:AlternateContent xmlns:mc="http://schemas.openxmlformats.org/markup-compatibility/2006" xmlns:p14="http://schemas.microsoft.com/office/powerpoint/2010/main">
+          <mc:Choice Requires="p14">
             <p:contentPart p14:bwMode="auto" r:id="rId66">
               <p14:nvContentPartPr>
                 <p14:cNvPr id="107" name="Ink 106">
@@ -7249,7 +7254,7 @@
               </p14:xfrm>
             </p:contentPart>
           </mc:Choice>
-          <mc:Fallback>
+          <mc:Fallback xmlns="">
             <p:pic>
               <p:nvPicPr>
                 <p:cNvPr id="107" name="Ink 106">
@@ -7280,8 +7285,8 @@
             </p:pic>
           </mc:Fallback>
         </mc:AlternateContent>
-        <mc:AlternateContent xmlns:mc="http://schemas.openxmlformats.org/markup-compatibility/2006">
-          <mc:Choice xmlns:p14="http://schemas.microsoft.com/office/powerpoint/2010/main" Requires="p14">
+        <mc:AlternateContent xmlns:mc="http://schemas.openxmlformats.org/markup-compatibility/2006" xmlns:p14="http://schemas.microsoft.com/office/powerpoint/2010/main">
+          <mc:Choice Requires="p14">
             <p:contentPart p14:bwMode="auto" r:id="rId68">
               <p14:nvContentPartPr>
                 <p14:cNvPr id="108" name="Ink 107">
@@ -7300,7 +7305,7 @@
               </p14:xfrm>
             </p:contentPart>
           </mc:Choice>
-          <mc:Fallback>
+          <mc:Fallback xmlns="">
             <p:pic>
               <p:nvPicPr>
                 <p:cNvPr id="108" name="Ink 107">
@@ -7331,8 +7336,8 @@
             </p:pic>
           </mc:Fallback>
         </mc:AlternateContent>
-        <mc:AlternateContent xmlns:mc="http://schemas.openxmlformats.org/markup-compatibility/2006">
-          <mc:Choice xmlns:p14="http://schemas.microsoft.com/office/powerpoint/2010/main" Requires="p14">
+        <mc:AlternateContent xmlns:mc="http://schemas.openxmlformats.org/markup-compatibility/2006" xmlns:p14="http://schemas.microsoft.com/office/powerpoint/2010/main">
+          <mc:Choice Requires="p14">
             <p:contentPart p14:bwMode="auto" r:id="rId70">
               <p14:nvContentPartPr>
                 <p14:cNvPr id="109" name="Ink 108">
@@ -7351,7 +7356,7 @@
               </p14:xfrm>
             </p:contentPart>
           </mc:Choice>
-          <mc:Fallback>
+          <mc:Fallback xmlns="">
             <p:pic>
               <p:nvPicPr>
                 <p:cNvPr id="109" name="Ink 108">
@@ -7382,8 +7387,8 @@
             </p:pic>
           </mc:Fallback>
         </mc:AlternateContent>
-        <mc:AlternateContent xmlns:mc="http://schemas.openxmlformats.org/markup-compatibility/2006">
-          <mc:Choice xmlns:p14="http://schemas.microsoft.com/office/powerpoint/2010/main" Requires="p14">
+        <mc:AlternateContent xmlns:mc="http://schemas.openxmlformats.org/markup-compatibility/2006" xmlns:p14="http://schemas.microsoft.com/office/powerpoint/2010/main">
+          <mc:Choice Requires="p14">
             <p:contentPart p14:bwMode="auto" r:id="rId72">
               <p14:nvContentPartPr>
                 <p14:cNvPr id="110" name="Ink 109">
@@ -7402,7 +7407,7 @@
               </p14:xfrm>
             </p:contentPart>
           </mc:Choice>
-          <mc:Fallback>
+          <mc:Fallback xmlns="">
             <p:pic>
               <p:nvPicPr>
                 <p:cNvPr id="110" name="Ink 109">
@@ -7433,8 +7438,8 @@
             </p:pic>
           </mc:Fallback>
         </mc:AlternateContent>
-        <mc:AlternateContent xmlns:mc="http://schemas.openxmlformats.org/markup-compatibility/2006">
-          <mc:Choice xmlns:p14="http://schemas.microsoft.com/office/powerpoint/2010/main" Requires="p14">
+        <mc:AlternateContent xmlns:mc="http://schemas.openxmlformats.org/markup-compatibility/2006" xmlns:p14="http://schemas.microsoft.com/office/powerpoint/2010/main">
+          <mc:Choice Requires="p14">
             <p:contentPart p14:bwMode="auto" r:id="rId74">
               <p14:nvContentPartPr>
                 <p14:cNvPr id="111" name="Ink 110">
@@ -7453,7 +7458,7 @@
               </p14:xfrm>
             </p:contentPart>
           </mc:Choice>
-          <mc:Fallback>
+          <mc:Fallback xmlns="">
             <p:pic>
               <p:nvPicPr>
                 <p:cNvPr id="111" name="Ink 110">
@@ -7484,8 +7489,8 @@
             </p:pic>
           </mc:Fallback>
         </mc:AlternateContent>
-        <mc:AlternateContent xmlns:mc="http://schemas.openxmlformats.org/markup-compatibility/2006">
-          <mc:Choice xmlns:p14="http://schemas.microsoft.com/office/powerpoint/2010/main" Requires="p14">
+        <mc:AlternateContent xmlns:mc="http://schemas.openxmlformats.org/markup-compatibility/2006" xmlns:p14="http://schemas.microsoft.com/office/powerpoint/2010/main">
+          <mc:Choice Requires="p14">
             <p:contentPart p14:bwMode="auto" r:id="rId76">
               <p14:nvContentPartPr>
                 <p14:cNvPr id="112" name="Ink 111">
@@ -7504,7 +7509,7 @@
               </p14:xfrm>
             </p:contentPart>
           </mc:Choice>
-          <mc:Fallback>
+          <mc:Fallback xmlns="">
             <p:pic>
               <p:nvPicPr>
                 <p:cNvPr id="112" name="Ink 111">
@@ -7535,8 +7540,8 @@
             </p:pic>
           </mc:Fallback>
         </mc:AlternateContent>
-        <mc:AlternateContent xmlns:mc="http://schemas.openxmlformats.org/markup-compatibility/2006">
-          <mc:Choice xmlns:p14="http://schemas.microsoft.com/office/powerpoint/2010/main" Requires="p14">
+        <mc:AlternateContent xmlns:mc="http://schemas.openxmlformats.org/markup-compatibility/2006" xmlns:p14="http://schemas.microsoft.com/office/powerpoint/2010/main">
+          <mc:Choice Requires="p14">
             <p:contentPart p14:bwMode="auto" r:id="rId78">
               <p14:nvContentPartPr>
                 <p14:cNvPr id="113" name="Ink 112">
@@ -7555,7 +7560,7 @@
               </p14:xfrm>
             </p:contentPart>
           </mc:Choice>
-          <mc:Fallback>
+          <mc:Fallback xmlns="">
             <p:pic>
               <p:nvPicPr>
                 <p:cNvPr id="113" name="Ink 112">
@@ -7586,8 +7591,8 @@
             </p:pic>
           </mc:Fallback>
         </mc:AlternateContent>
-        <mc:AlternateContent xmlns:mc="http://schemas.openxmlformats.org/markup-compatibility/2006">
-          <mc:Choice xmlns:p14="http://schemas.microsoft.com/office/powerpoint/2010/main" Requires="p14">
+        <mc:AlternateContent xmlns:mc="http://schemas.openxmlformats.org/markup-compatibility/2006" xmlns:p14="http://schemas.microsoft.com/office/powerpoint/2010/main">
+          <mc:Choice Requires="p14">
             <p:contentPart p14:bwMode="auto" r:id="rId80">
               <p14:nvContentPartPr>
                 <p14:cNvPr id="114" name="Ink 113">
@@ -7606,7 +7611,7 @@
               </p14:xfrm>
             </p:contentPart>
           </mc:Choice>
-          <mc:Fallback>
+          <mc:Fallback xmlns="">
             <p:pic>
               <p:nvPicPr>
                 <p:cNvPr id="114" name="Ink 113">
@@ -7637,8 +7642,8 @@
             </p:pic>
           </mc:Fallback>
         </mc:AlternateContent>
-        <mc:AlternateContent xmlns:mc="http://schemas.openxmlformats.org/markup-compatibility/2006">
-          <mc:Choice xmlns:p14="http://schemas.microsoft.com/office/powerpoint/2010/main" Requires="p14">
+        <mc:AlternateContent xmlns:mc="http://schemas.openxmlformats.org/markup-compatibility/2006" xmlns:p14="http://schemas.microsoft.com/office/powerpoint/2010/main">
+          <mc:Choice Requires="p14">
             <p:contentPart p14:bwMode="auto" r:id="rId82">
               <p14:nvContentPartPr>
                 <p14:cNvPr id="115" name="Ink 114">
@@ -7657,7 +7662,7 @@
               </p14:xfrm>
             </p:contentPart>
           </mc:Choice>
-          <mc:Fallback>
+          <mc:Fallback xmlns="">
             <p:pic>
               <p:nvPicPr>
                 <p:cNvPr id="115" name="Ink 114">
@@ -7688,8 +7693,8 @@
             </p:pic>
           </mc:Fallback>
         </mc:AlternateContent>
-        <mc:AlternateContent xmlns:mc="http://schemas.openxmlformats.org/markup-compatibility/2006">
-          <mc:Choice xmlns:p14="http://schemas.microsoft.com/office/powerpoint/2010/main" Requires="p14">
+        <mc:AlternateContent xmlns:mc="http://schemas.openxmlformats.org/markup-compatibility/2006" xmlns:p14="http://schemas.microsoft.com/office/powerpoint/2010/main">
+          <mc:Choice Requires="p14">
             <p:contentPart p14:bwMode="auto" r:id="rId84">
               <p14:nvContentPartPr>
                 <p14:cNvPr id="117" name="Ink 116">
@@ -7708,7 +7713,7 @@
               </p14:xfrm>
             </p:contentPart>
           </mc:Choice>
-          <mc:Fallback>
+          <mc:Fallback xmlns="">
             <p:pic>
               <p:nvPicPr>
                 <p:cNvPr id="117" name="Ink 116">
@@ -7739,8 +7744,8 @@
             </p:pic>
           </mc:Fallback>
         </mc:AlternateContent>
-        <mc:AlternateContent xmlns:mc="http://schemas.openxmlformats.org/markup-compatibility/2006">
-          <mc:Choice xmlns:p14="http://schemas.microsoft.com/office/powerpoint/2010/main" Requires="p14">
+        <mc:AlternateContent xmlns:mc="http://schemas.openxmlformats.org/markup-compatibility/2006" xmlns:p14="http://schemas.microsoft.com/office/powerpoint/2010/main">
+          <mc:Choice Requires="p14">
             <p:contentPart p14:bwMode="auto" r:id="rId86">
               <p14:nvContentPartPr>
                 <p14:cNvPr id="118" name="Ink 117">
@@ -7759,7 +7764,7 @@
               </p14:xfrm>
             </p:contentPart>
           </mc:Choice>
-          <mc:Fallback>
+          <mc:Fallback xmlns="">
             <p:pic>
               <p:nvPicPr>
                 <p:cNvPr id="118" name="Ink 117">
@@ -7790,8 +7795,8 @@
             </p:pic>
           </mc:Fallback>
         </mc:AlternateContent>
-        <mc:AlternateContent xmlns:mc="http://schemas.openxmlformats.org/markup-compatibility/2006">
-          <mc:Choice xmlns:p14="http://schemas.microsoft.com/office/powerpoint/2010/main" Requires="p14">
+        <mc:AlternateContent xmlns:mc="http://schemas.openxmlformats.org/markup-compatibility/2006" xmlns:p14="http://schemas.microsoft.com/office/powerpoint/2010/main">
+          <mc:Choice Requires="p14">
             <p:contentPart p14:bwMode="auto" r:id="rId88">
               <p14:nvContentPartPr>
                 <p14:cNvPr id="119" name="Ink 118">
@@ -7810,7 +7815,7 @@
               </p14:xfrm>
             </p:contentPart>
           </mc:Choice>
-          <mc:Fallback>
+          <mc:Fallback xmlns="">
             <p:pic>
               <p:nvPicPr>
                 <p:cNvPr id="119" name="Ink 118">
@@ -7841,8 +7846,8 @@
             </p:pic>
           </mc:Fallback>
         </mc:AlternateContent>
-        <mc:AlternateContent xmlns:mc="http://schemas.openxmlformats.org/markup-compatibility/2006">
-          <mc:Choice xmlns:p14="http://schemas.microsoft.com/office/powerpoint/2010/main" Requires="p14">
+        <mc:AlternateContent xmlns:mc="http://schemas.openxmlformats.org/markup-compatibility/2006" xmlns:p14="http://schemas.microsoft.com/office/powerpoint/2010/main">
+          <mc:Choice Requires="p14">
             <p:contentPart p14:bwMode="auto" r:id="rId90">
               <p14:nvContentPartPr>
                 <p14:cNvPr id="120" name="Ink 119">
@@ -7861,7 +7866,7 @@
               </p14:xfrm>
             </p:contentPart>
           </mc:Choice>
-          <mc:Fallback>
+          <mc:Fallback xmlns="">
             <p:pic>
               <p:nvPicPr>
                 <p:cNvPr id="120" name="Ink 119">
@@ -7892,8 +7897,8 @@
             </p:pic>
           </mc:Fallback>
         </mc:AlternateContent>
-        <mc:AlternateContent xmlns:mc="http://schemas.openxmlformats.org/markup-compatibility/2006">
-          <mc:Choice xmlns:p14="http://schemas.microsoft.com/office/powerpoint/2010/main" Requires="p14">
+        <mc:AlternateContent xmlns:mc="http://schemas.openxmlformats.org/markup-compatibility/2006" xmlns:p14="http://schemas.microsoft.com/office/powerpoint/2010/main">
+          <mc:Choice Requires="p14">
             <p:contentPart p14:bwMode="auto" r:id="rId92">
               <p14:nvContentPartPr>
                 <p14:cNvPr id="121" name="Ink 120">
@@ -7912,7 +7917,7 @@
               </p14:xfrm>
             </p:contentPart>
           </mc:Choice>
-          <mc:Fallback>
+          <mc:Fallback xmlns="">
             <p:pic>
               <p:nvPicPr>
                 <p:cNvPr id="121" name="Ink 120">
@@ -7943,8 +7948,8 @@
             </p:pic>
           </mc:Fallback>
         </mc:AlternateContent>
-        <mc:AlternateContent xmlns:mc="http://schemas.openxmlformats.org/markup-compatibility/2006">
-          <mc:Choice xmlns:p14="http://schemas.microsoft.com/office/powerpoint/2010/main" Requires="p14">
+        <mc:AlternateContent xmlns:mc="http://schemas.openxmlformats.org/markup-compatibility/2006" xmlns:p14="http://schemas.microsoft.com/office/powerpoint/2010/main">
+          <mc:Choice Requires="p14">
             <p:contentPart p14:bwMode="auto" r:id="rId94">
               <p14:nvContentPartPr>
                 <p14:cNvPr id="122" name="Ink 121">
@@ -7963,7 +7968,7 @@
               </p14:xfrm>
             </p:contentPart>
           </mc:Choice>
-          <mc:Fallback>
+          <mc:Fallback xmlns="">
             <p:pic>
               <p:nvPicPr>
                 <p:cNvPr id="122" name="Ink 121">
@@ -7994,8 +7999,8 @@
             </p:pic>
           </mc:Fallback>
         </mc:AlternateContent>
-        <mc:AlternateContent xmlns:mc="http://schemas.openxmlformats.org/markup-compatibility/2006">
-          <mc:Choice xmlns:p14="http://schemas.microsoft.com/office/powerpoint/2010/main" Requires="p14">
+        <mc:AlternateContent xmlns:mc="http://schemas.openxmlformats.org/markup-compatibility/2006" xmlns:p14="http://schemas.microsoft.com/office/powerpoint/2010/main">
+          <mc:Choice Requires="p14">
             <p:contentPart p14:bwMode="auto" r:id="rId96">
               <p14:nvContentPartPr>
                 <p14:cNvPr id="123" name="Ink 122">
@@ -8014,7 +8019,7 @@
               </p14:xfrm>
             </p:contentPart>
           </mc:Choice>
-          <mc:Fallback>
+          <mc:Fallback xmlns="">
             <p:pic>
               <p:nvPicPr>
                 <p:cNvPr id="123" name="Ink 122">
@@ -8045,8 +8050,8 @@
             </p:pic>
           </mc:Fallback>
         </mc:AlternateContent>
-        <mc:AlternateContent xmlns:mc="http://schemas.openxmlformats.org/markup-compatibility/2006">
-          <mc:Choice xmlns:p14="http://schemas.microsoft.com/office/powerpoint/2010/main" Requires="p14">
+        <mc:AlternateContent xmlns:mc="http://schemas.openxmlformats.org/markup-compatibility/2006" xmlns:p14="http://schemas.microsoft.com/office/powerpoint/2010/main">
+          <mc:Choice Requires="p14">
             <p:contentPart p14:bwMode="auto" r:id="rId98">
               <p14:nvContentPartPr>
                 <p14:cNvPr id="126" name="Ink 125">
@@ -8065,7 +8070,7 @@
               </p14:xfrm>
             </p:contentPart>
           </mc:Choice>
-          <mc:Fallback>
+          <mc:Fallback xmlns="">
             <p:pic>
               <p:nvPicPr>
                 <p:cNvPr id="126" name="Ink 125">
@@ -8096,8 +8101,8 @@
             </p:pic>
           </mc:Fallback>
         </mc:AlternateContent>
-        <mc:AlternateContent xmlns:mc="http://schemas.openxmlformats.org/markup-compatibility/2006">
-          <mc:Choice xmlns:p14="http://schemas.microsoft.com/office/powerpoint/2010/main" Requires="p14">
+        <mc:AlternateContent xmlns:mc="http://schemas.openxmlformats.org/markup-compatibility/2006" xmlns:p14="http://schemas.microsoft.com/office/powerpoint/2010/main">
+          <mc:Choice Requires="p14">
             <p:contentPart p14:bwMode="auto" r:id="rId100">
               <p14:nvContentPartPr>
                 <p14:cNvPr id="141" name="Ink 140">
@@ -8116,7 +8121,7 @@
               </p14:xfrm>
             </p:contentPart>
           </mc:Choice>
-          <mc:Fallback>
+          <mc:Fallback xmlns="">
             <p:pic>
               <p:nvPicPr>
                 <p:cNvPr id="141" name="Ink 140">
@@ -11196,6 +11201,392 @@
           </a:p>
         </p:txBody>
       </p:sp>
+      <p:sp>
+        <p:nvSpPr>
+          <p:cNvPr id="130" name="Rectangle 129">
+            <a:extLst>
+              <a:ext uri="{FF2B5EF4-FFF2-40B4-BE49-F238E27FC236}">
+                <a16:creationId xmlns:a16="http://schemas.microsoft.com/office/drawing/2014/main" id="{8B2E0858-CD79-D94F-A65F-272FC7BD29D5}"/>
+              </a:ext>
+            </a:extLst>
+          </p:cNvPr>
+          <p:cNvSpPr/>
+          <p:nvPr/>
+        </p:nvSpPr>
+        <p:spPr>
+          <a:xfrm>
+            <a:off x="1117778" y="18906303"/>
+            <a:ext cx="6621517" cy="2932387"/>
+          </a:xfrm>
+          <a:prstGeom prst="rect">
+            <a:avLst/>
+          </a:prstGeom>
+          <a:solidFill>
+            <a:schemeClr val="bg1">
+              <a:lumMod val="95000"/>
+            </a:schemeClr>
+          </a:solidFill>
+        </p:spPr>
+        <p:style>
+          <a:lnRef idx="2">
+            <a:schemeClr val="accent1">
+              <a:shade val="50000"/>
+            </a:schemeClr>
+          </a:lnRef>
+          <a:fillRef idx="1">
+            <a:schemeClr val="accent1"/>
+          </a:fillRef>
+          <a:effectRef idx="0">
+            <a:schemeClr val="accent1"/>
+          </a:effectRef>
+          <a:fontRef idx="minor">
+            <a:schemeClr val="lt1"/>
+          </a:fontRef>
+        </p:style>
+        <p:txBody>
+          <a:bodyPr rot="0" spcFirstLastPara="0" vertOverflow="overflow" horzOverflow="overflow" vert="horz" wrap="square" lIns="91440" tIns="45720" rIns="91440" bIns="45720" numCol="1" spcCol="0" rtlCol="0" fromWordArt="0" anchor="ctr" anchorCtr="0" forceAA="0" compatLnSpc="1">
+            <a:prstTxWarp prst="textNoShape">
+              <a:avLst/>
+            </a:prstTxWarp>
+            <a:noAutofit/>
+          </a:bodyPr>
+          <a:lstStyle/>
+          <a:p>
+            <a:pPr algn="ctr"/>
+            <a:endParaRPr lang="en-US"/>
+          </a:p>
+        </p:txBody>
+      </p:sp>
+      <p:sp>
+        <p:nvSpPr>
+          <p:cNvPr id="131" name="Rectangle 130">
+            <a:extLst>
+              <a:ext uri="{FF2B5EF4-FFF2-40B4-BE49-F238E27FC236}">
+                <a16:creationId xmlns:a16="http://schemas.microsoft.com/office/drawing/2014/main" id="{084F9D0A-2181-3F43-A988-8624774219D1}"/>
+              </a:ext>
+            </a:extLst>
+          </p:cNvPr>
+          <p:cNvSpPr/>
+          <p:nvPr/>
+        </p:nvSpPr>
+        <p:spPr>
+          <a:xfrm>
+            <a:off x="1335866" y="19158314"/>
+            <a:ext cx="6185341" cy="2412199"/>
+          </a:xfrm>
+          <a:prstGeom prst="rect">
+            <a:avLst/>
+          </a:prstGeom>
+          <a:solidFill>
+            <a:schemeClr val="bg1"/>
+          </a:solidFill>
+          <a:ln>
+            <a:noFill/>
+          </a:ln>
+        </p:spPr>
+        <p:style>
+          <a:lnRef idx="2">
+            <a:schemeClr val="accent1">
+              <a:shade val="50000"/>
+            </a:schemeClr>
+          </a:lnRef>
+          <a:fillRef idx="1">
+            <a:schemeClr val="accent1"/>
+          </a:fillRef>
+          <a:effectRef idx="0">
+            <a:schemeClr val="accent1"/>
+          </a:effectRef>
+          <a:fontRef idx="minor">
+            <a:schemeClr val="lt1"/>
+          </a:fontRef>
+        </p:style>
+        <p:txBody>
+          <a:bodyPr rot="0" spcFirstLastPara="0" vertOverflow="overflow" horzOverflow="overflow" vert="horz" wrap="square" lIns="91440" tIns="45720" rIns="91440" bIns="45720" numCol="1" spcCol="0" rtlCol="0" fromWordArt="0" anchor="ctr" anchorCtr="0" forceAA="0" compatLnSpc="1">
+            <a:prstTxWarp prst="textNoShape">
+              <a:avLst/>
+            </a:prstTxWarp>
+            <a:noAutofit/>
+          </a:bodyPr>
+          <a:lstStyle/>
+          <a:p>
+            <a:pPr algn="ctr"/>
+            <a:endParaRPr lang="en-US"/>
+          </a:p>
+        </p:txBody>
+      </p:sp>
+      <p:sp>
+        <p:nvSpPr>
+          <p:cNvPr id="200" name="Rectangle 199">
+            <a:extLst>
+              <a:ext uri="{FF2B5EF4-FFF2-40B4-BE49-F238E27FC236}">
+                <a16:creationId xmlns:a16="http://schemas.microsoft.com/office/drawing/2014/main" id="{495B6B75-8325-1D44-8EFF-1CA209DED631}"/>
+              </a:ext>
+            </a:extLst>
+          </p:cNvPr>
+          <p:cNvSpPr/>
+          <p:nvPr/>
+        </p:nvSpPr>
+        <p:spPr>
+          <a:xfrm>
+            <a:off x="4299150" y="19270606"/>
+            <a:ext cx="3042066" cy="621768"/>
+          </a:xfrm>
+          <a:prstGeom prst="rect">
+            <a:avLst/>
+          </a:prstGeom>
+          <a:solidFill>
+            <a:schemeClr val="bg1">
+              <a:lumMod val="95000"/>
+            </a:schemeClr>
+          </a:solidFill>
+          <a:ln>
+            <a:noFill/>
+          </a:ln>
+        </p:spPr>
+        <p:style>
+          <a:lnRef idx="2">
+            <a:schemeClr val="accent1">
+              <a:shade val="50000"/>
+            </a:schemeClr>
+          </a:lnRef>
+          <a:fillRef idx="1">
+            <a:schemeClr val="accent1"/>
+          </a:fillRef>
+          <a:effectRef idx="0">
+            <a:schemeClr val="accent1"/>
+          </a:effectRef>
+          <a:fontRef idx="minor">
+            <a:schemeClr val="lt1"/>
+          </a:fontRef>
+        </p:style>
+        <p:txBody>
+          <a:bodyPr rot="0" spcFirstLastPara="0" vertOverflow="overflow" horzOverflow="overflow" vert="horz" wrap="square" lIns="91440" tIns="45720" rIns="91440" bIns="45720" numCol="1" spcCol="0" rtlCol="0" fromWordArt="0" anchor="ctr" anchorCtr="0" forceAA="0" compatLnSpc="1">
+            <a:prstTxWarp prst="textNoShape">
+              <a:avLst/>
+            </a:prstTxWarp>
+            <a:noAutofit/>
+          </a:bodyPr>
+          <a:lstStyle/>
+          <a:p>
+            <a:pPr algn="ctr"/>
+            <a:r>
+              <a:rPr lang="en-US" dirty="0">
+                <a:solidFill>
+                  <a:schemeClr val="tx1">
+                    <a:lumMod val="50000"/>
+                    <a:lumOff val="50000"/>
+                  </a:schemeClr>
+                </a:solidFill>
+                <a:latin typeface="Helvetica Neue" panose="02000503000000020004" pitchFamily="2" charset="0"/>
+                <a:ea typeface="Helvetica Neue" panose="02000503000000020004" pitchFamily="2" charset="0"/>
+                <a:cs typeface="Helvetica Neue" panose="02000503000000020004" pitchFamily="2" charset="0"/>
+              </a:rPr>
+              <a:t>Darts TV ratings over time</a:t>
+            </a:r>
+          </a:p>
+        </p:txBody>
+      </p:sp>
+      <p:sp>
+        <p:nvSpPr>
+          <p:cNvPr id="11" name="Freeform 10">
+            <a:extLst>
+              <a:ext uri="{FF2B5EF4-FFF2-40B4-BE49-F238E27FC236}">
+                <a16:creationId xmlns:a16="http://schemas.microsoft.com/office/drawing/2014/main" id="{DE87898F-8D47-FB47-8263-0267DD291463}"/>
+              </a:ext>
+            </a:extLst>
+          </p:cNvPr>
+          <p:cNvSpPr/>
+          <p:nvPr/>
+        </p:nvSpPr>
+        <p:spPr>
+          <a:xfrm>
+            <a:off x="1725930" y="19922490"/>
+            <a:ext cx="5440680" cy="1268730"/>
+          </a:xfrm>
+          <a:custGeom>
+            <a:avLst/>
+            <a:gdLst>
+              <a:gd name="connsiteX0" fmla="*/ 0 w 5440680"/>
+              <a:gd name="connsiteY0" fmla="*/ 1268730 h 1268730"/>
+              <a:gd name="connsiteX1" fmla="*/ 445770 w 5440680"/>
+              <a:gd name="connsiteY1" fmla="*/ 720090 h 1268730"/>
+              <a:gd name="connsiteX2" fmla="*/ 925830 w 5440680"/>
+              <a:gd name="connsiteY2" fmla="*/ 137160 h 1268730"/>
+              <a:gd name="connsiteX3" fmla="*/ 1497330 w 5440680"/>
+              <a:gd name="connsiteY3" fmla="*/ 308610 h 1268730"/>
+              <a:gd name="connsiteX4" fmla="*/ 2103120 w 5440680"/>
+              <a:gd name="connsiteY4" fmla="*/ 697230 h 1268730"/>
+              <a:gd name="connsiteX5" fmla="*/ 2640330 w 5440680"/>
+              <a:gd name="connsiteY5" fmla="*/ 1200150 h 1268730"/>
+              <a:gd name="connsiteX6" fmla="*/ 3040380 w 5440680"/>
+              <a:gd name="connsiteY6" fmla="*/ 1143000 h 1268730"/>
+              <a:gd name="connsiteX7" fmla="*/ 3451860 w 5440680"/>
+              <a:gd name="connsiteY7" fmla="*/ 1028700 h 1268730"/>
+              <a:gd name="connsiteX8" fmla="*/ 3691890 w 5440680"/>
+              <a:gd name="connsiteY8" fmla="*/ 765810 h 1268730"/>
+              <a:gd name="connsiteX9" fmla="*/ 4160520 w 5440680"/>
+              <a:gd name="connsiteY9" fmla="*/ 537210 h 1268730"/>
+              <a:gd name="connsiteX10" fmla="*/ 4469130 w 5440680"/>
+              <a:gd name="connsiteY10" fmla="*/ 320040 h 1268730"/>
+              <a:gd name="connsiteX11" fmla="*/ 5029200 w 5440680"/>
+              <a:gd name="connsiteY11" fmla="*/ 182880 h 1268730"/>
+              <a:gd name="connsiteX12" fmla="*/ 5246370 w 5440680"/>
+              <a:gd name="connsiteY12" fmla="*/ 57150 h 1268730"/>
+              <a:gd name="connsiteX13" fmla="*/ 5440680 w 5440680"/>
+              <a:gd name="connsiteY13" fmla="*/ 0 h 1268730"/>
+              <a:gd name="connsiteX14" fmla="*/ 5440680 w 5440680"/>
+              <a:gd name="connsiteY14" fmla="*/ 0 h 1268730"/>
+            </a:gdLst>
+            <a:ahLst/>
+            <a:cxnLst>
+              <a:cxn ang="0">
+                <a:pos x="connsiteX0" y="connsiteY0"/>
+              </a:cxn>
+              <a:cxn ang="0">
+                <a:pos x="connsiteX1" y="connsiteY1"/>
+              </a:cxn>
+              <a:cxn ang="0">
+                <a:pos x="connsiteX2" y="connsiteY2"/>
+              </a:cxn>
+              <a:cxn ang="0">
+                <a:pos x="connsiteX3" y="connsiteY3"/>
+              </a:cxn>
+              <a:cxn ang="0">
+                <a:pos x="connsiteX4" y="connsiteY4"/>
+              </a:cxn>
+              <a:cxn ang="0">
+                <a:pos x="connsiteX5" y="connsiteY5"/>
+              </a:cxn>
+              <a:cxn ang="0">
+                <a:pos x="connsiteX6" y="connsiteY6"/>
+              </a:cxn>
+              <a:cxn ang="0">
+                <a:pos x="connsiteX7" y="connsiteY7"/>
+              </a:cxn>
+              <a:cxn ang="0">
+                <a:pos x="connsiteX8" y="connsiteY8"/>
+              </a:cxn>
+              <a:cxn ang="0">
+                <a:pos x="connsiteX9" y="connsiteY9"/>
+              </a:cxn>
+              <a:cxn ang="0">
+                <a:pos x="connsiteX10" y="connsiteY10"/>
+              </a:cxn>
+              <a:cxn ang="0">
+                <a:pos x="connsiteX11" y="connsiteY11"/>
+              </a:cxn>
+              <a:cxn ang="0">
+                <a:pos x="connsiteX12" y="connsiteY12"/>
+              </a:cxn>
+              <a:cxn ang="0">
+                <a:pos x="connsiteX13" y="connsiteY13"/>
+              </a:cxn>
+              <a:cxn ang="0">
+                <a:pos x="connsiteX14" y="connsiteY14"/>
+              </a:cxn>
+            </a:cxnLst>
+            <a:rect l="l" t="t" r="r" b="b"/>
+            <a:pathLst>
+              <a:path w="5440680" h="1268730">
+                <a:moveTo>
+                  <a:pt x="0" y="1268730"/>
+                </a:moveTo>
+                <a:lnTo>
+                  <a:pt x="445770" y="720090"/>
+                </a:lnTo>
+                <a:cubicBezTo>
+                  <a:pt x="600075" y="531495"/>
+                  <a:pt x="750570" y="205740"/>
+                  <a:pt x="925830" y="137160"/>
+                </a:cubicBezTo>
+                <a:cubicBezTo>
+                  <a:pt x="1101090" y="68580"/>
+                  <a:pt x="1301115" y="215265"/>
+                  <a:pt x="1497330" y="308610"/>
+                </a:cubicBezTo>
+                <a:cubicBezTo>
+                  <a:pt x="1693545" y="401955"/>
+                  <a:pt x="1912620" y="548640"/>
+                  <a:pt x="2103120" y="697230"/>
+                </a:cubicBezTo>
+                <a:cubicBezTo>
+                  <a:pt x="2293620" y="845820"/>
+                  <a:pt x="2484120" y="1125855"/>
+                  <a:pt x="2640330" y="1200150"/>
+                </a:cubicBezTo>
+                <a:cubicBezTo>
+                  <a:pt x="2796540" y="1274445"/>
+                  <a:pt x="2905125" y="1171575"/>
+                  <a:pt x="3040380" y="1143000"/>
+                </a:cubicBezTo>
+                <a:cubicBezTo>
+                  <a:pt x="3175635" y="1114425"/>
+                  <a:pt x="3343275" y="1091565"/>
+                  <a:pt x="3451860" y="1028700"/>
+                </a:cubicBezTo>
+                <a:cubicBezTo>
+                  <a:pt x="3560445" y="965835"/>
+                  <a:pt x="3573780" y="847725"/>
+                  <a:pt x="3691890" y="765810"/>
+                </a:cubicBezTo>
+                <a:cubicBezTo>
+                  <a:pt x="3810000" y="683895"/>
+                  <a:pt x="4030980" y="611505"/>
+                  <a:pt x="4160520" y="537210"/>
+                </a:cubicBezTo>
+                <a:cubicBezTo>
+                  <a:pt x="4290060" y="462915"/>
+                  <a:pt x="4324350" y="379095"/>
+                  <a:pt x="4469130" y="320040"/>
+                </a:cubicBezTo>
+                <a:cubicBezTo>
+                  <a:pt x="4613910" y="260985"/>
+                  <a:pt x="4899660" y="226695"/>
+                  <a:pt x="5029200" y="182880"/>
+                </a:cubicBezTo>
+                <a:cubicBezTo>
+                  <a:pt x="5158740" y="139065"/>
+                  <a:pt x="5177790" y="87630"/>
+                  <a:pt x="5246370" y="57150"/>
+                </a:cubicBezTo>
+                <a:cubicBezTo>
+                  <a:pt x="5314950" y="26670"/>
+                  <a:pt x="5440680" y="0"/>
+                  <a:pt x="5440680" y="0"/>
+                </a:cubicBezTo>
+                <a:lnTo>
+                  <a:pt x="5440680" y="0"/>
+                </a:lnTo>
+              </a:path>
+            </a:pathLst>
+          </a:custGeom>
+          <a:noFill/>
+        </p:spPr>
+        <p:style>
+          <a:lnRef idx="2">
+            <a:schemeClr val="accent1">
+              <a:shade val="50000"/>
+            </a:schemeClr>
+          </a:lnRef>
+          <a:fillRef idx="1">
+            <a:schemeClr val="accent1"/>
+          </a:fillRef>
+          <a:effectRef idx="0">
+            <a:schemeClr val="accent1"/>
+          </a:effectRef>
+          <a:fontRef idx="minor">
+            <a:schemeClr val="lt1"/>
+          </a:fontRef>
+        </p:style>
+        <p:txBody>
+          <a:bodyPr rtlCol="0" anchor="ctr"/>
+          <a:lstStyle/>
+          <a:p>
+            <a:pPr algn="ctr"/>
+            <a:endParaRPr lang="en-US"/>
+          </a:p>
+        </p:txBody>
+      </p:sp>
     </p:spTree>
     <p:extLst>
       <p:ext uri="{BB962C8B-B14F-4D97-AF65-F5344CB8AC3E}">
